--- a/shkaf/make_figure2/standalone_scheme_vertical.pptx
+++ b/shkaf/make_figure2/standalone_scheme_vertical.pptx
@@ -5588,7 +5588,7 @@
         </p:nvSpPr>
         <p:spPr>
           <a:xfrm>
-            <a:off x="1151942" y="4052020"/>
+            <a:off x="1186666" y="1794956"/>
             <a:ext cx="1148400" cy="783300"/>
           </a:xfrm>
           <a:prstGeom prst="roundRect">
@@ -5649,7 +5649,7 @@
         </p:nvCxnSpPr>
         <p:spPr>
           <a:xfrm flipV="1">
-            <a:off x="2300342" y="4432837"/>
+            <a:off x="2335066" y="2175773"/>
             <a:ext cx="1735150" cy="10833"/>
           </a:xfrm>
           <a:prstGeom prst="straightConnector1">
@@ -5675,7 +5675,7 @@
         </p:nvSpPr>
         <p:spPr>
           <a:xfrm>
-            <a:off x="4035492" y="4002535"/>
+            <a:off x="4070216" y="1745471"/>
             <a:ext cx="1213201" cy="860603"/>
           </a:xfrm>
           <a:prstGeom prst="roundRect">
@@ -5727,7 +5727,7 @@
         </p:nvSpPr>
         <p:spPr>
           <a:xfrm>
-            <a:off x="3235472" y="6220261"/>
+            <a:off x="3270196" y="3963197"/>
             <a:ext cx="1198800" cy="914840"/>
           </a:xfrm>
           <a:prstGeom prst="roundRect">
@@ -5789,7 +5789,7 @@
         </p:nvCxnSpPr>
         <p:spPr>
           <a:xfrm rot="5400000">
-            <a:off x="3559922" y="5138089"/>
+            <a:off x="3594646" y="2881025"/>
             <a:ext cx="1357123" cy="807221"/>
           </a:xfrm>
           <a:prstGeom prst="bentConnector3">
@@ -5817,7 +5817,7 @@
         </p:nvSpPr>
         <p:spPr>
           <a:xfrm>
-            <a:off x="5032484" y="6220251"/>
+            <a:off x="5067208" y="3963187"/>
             <a:ext cx="1198800" cy="914860"/>
           </a:xfrm>
           <a:prstGeom prst="roundRect">
@@ -5879,7 +5879,7 @@
         </p:nvCxnSpPr>
         <p:spPr>
           <a:xfrm rot="16200000" flipH="1">
-            <a:off x="4458432" y="5046798"/>
+            <a:off x="4493156" y="2789734"/>
             <a:ext cx="1357113" cy="989791"/>
           </a:xfrm>
           <a:prstGeom prst="bentConnector3">
@@ -5907,7 +5907,7 @@
         </p:nvSpPr>
         <p:spPr>
           <a:xfrm>
-            <a:off x="5363684" y="9462983"/>
+            <a:off x="5850423" y="6858469"/>
             <a:ext cx="1735200" cy="896359"/>
           </a:xfrm>
           <a:prstGeom prst="roundRect">
@@ -5968,8 +5968,8 @@
         </p:nvCxnSpPr>
         <p:spPr>
           <a:xfrm rot="16200000" flipH="1">
-            <a:off x="3869137" y="7100836"/>
-            <a:ext cx="2327882" cy="2396412"/>
+            <a:off x="4303593" y="4444039"/>
+            <a:ext cx="1980432" cy="2848427"/>
           </a:xfrm>
           <a:prstGeom prst="bentConnector3">
             <a:avLst>
@@ -5999,7 +5999,7 @@
         </p:nvCxnSpPr>
         <p:spPr>
           <a:xfrm rot="16200000" flipH="1">
-            <a:off x="4733373" y="6236600"/>
+            <a:off x="4768097" y="3979536"/>
             <a:ext cx="10" cy="1797012"/>
           </a:xfrm>
           <a:prstGeom prst="bentConnector3">
@@ -6027,7 +6027,7 @@
         </p:nvSpPr>
         <p:spPr>
           <a:xfrm>
-            <a:off x="4165514" y="7108908"/>
+            <a:off x="4200238" y="4851844"/>
             <a:ext cx="1473718" cy="259421"/>
           </a:xfrm>
           <a:prstGeom prst="rect">
@@ -6085,7 +6085,7 @@
         </p:nvSpPr>
         <p:spPr>
           <a:xfrm>
-            <a:off x="7351002" y="6043068"/>
+            <a:off x="7648064" y="3786004"/>
             <a:ext cx="1194830" cy="1269224"/>
           </a:xfrm>
           <a:prstGeom prst="ellipse">
@@ -6138,8 +6138,8 @@
         </p:nvCxnSpPr>
         <p:spPr>
           <a:xfrm flipV="1">
-            <a:off x="6231284" y="6677680"/>
-            <a:ext cx="1119718" cy="1"/>
+            <a:off x="6266008" y="4420616"/>
+            <a:ext cx="1382056" cy="1"/>
           </a:xfrm>
           <a:prstGeom prst="straightConnector1">
             <a:avLst/>
@@ -6164,7 +6164,7 @@
         </p:nvSpPr>
         <p:spPr>
           <a:xfrm>
-            <a:off x="1891560" y="8147511"/>
+            <a:off x="1926284" y="5600140"/>
             <a:ext cx="1222554" cy="856347"/>
           </a:xfrm>
           <a:prstGeom prst="roundRect">
@@ -6234,7 +6234,7 @@
         </p:nvSpPr>
         <p:spPr>
           <a:xfrm>
-            <a:off x="2390768" y="3983904"/>
+            <a:off x="2425492" y="1726840"/>
             <a:ext cx="1644900" cy="1144800"/>
           </a:xfrm>
           <a:prstGeom prst="rect">
@@ -6272,7 +6272,7 @@
         </p:nvSpPr>
         <p:spPr>
           <a:xfrm>
-            <a:off x="4597916" y="5041411"/>
+            <a:off x="4632640" y="2784347"/>
             <a:ext cx="1108200" cy="528000"/>
           </a:xfrm>
           <a:prstGeom prst="rect">
@@ -6330,7 +6330,7 @@
         </p:nvSpPr>
         <p:spPr>
           <a:xfrm>
-            <a:off x="3779938" y="7726097"/>
+            <a:off x="3827395" y="5362447"/>
             <a:ext cx="1985100" cy="528000"/>
           </a:xfrm>
           <a:prstGeom prst="rect">
@@ -6388,8 +6388,8 @@
         </p:nvSpPr>
         <p:spPr>
           <a:xfrm>
-            <a:off x="620917" y="7272876"/>
-            <a:ext cx="1735200" cy="688800"/>
+            <a:off x="737151" y="4882323"/>
+            <a:ext cx="1769851" cy="702555"/>
           </a:xfrm>
           <a:prstGeom prst="rect">
             <a:avLst/>
@@ -6446,8 +6446,8 @@
         </p:nvSpPr>
         <p:spPr>
           <a:xfrm>
-            <a:off x="2356117" y="3724424"/>
-            <a:ext cx="1623600" cy="688800"/>
+            <a:off x="2531211" y="1538238"/>
+            <a:ext cx="1296184" cy="522578"/>
           </a:xfrm>
           <a:prstGeom prst="rect">
             <a:avLst/>
@@ -6557,7 +6557,7 @@
         </p:nvSpPr>
         <p:spPr>
           <a:xfrm>
-            <a:off x="6238309" y="6043068"/>
+            <a:off x="6362711" y="3777185"/>
             <a:ext cx="1188650" cy="690555"/>
           </a:xfrm>
           <a:prstGeom prst="rect">
@@ -6662,7 +6662,7 @@
         </p:nvSpPr>
         <p:spPr>
           <a:xfrm>
-            <a:off x="1731987" y="9629733"/>
+            <a:off x="1766711" y="7182104"/>
             <a:ext cx="1541700" cy="855590"/>
           </a:xfrm>
           <a:prstGeom prst="roundRect">
@@ -6747,42 +6747,11 @@
         </p:nvCxnSpPr>
         <p:spPr>
           <a:xfrm rot="10800000" flipV="1">
-            <a:off x="2502838" y="6677681"/>
-            <a:ext cx="732635" cy="1469830"/>
+            <a:off x="2537562" y="4420616"/>
+            <a:ext cx="732635" cy="1179523"/>
           </a:xfrm>
           <a:prstGeom prst="bentConnector2">
             <a:avLst/>
-          </a:prstGeom>
-          <a:noFill/>
-          <a:ln w="9525" cap="flat" cmpd="sng">
-            <a:solidFill>
-              <a:schemeClr val="dk2"/>
-            </a:solidFill>
-            <a:prstDash val="solid"/>
-            <a:round/>
-            <a:headEnd type="none" w="med" len="med"/>
-            <a:tailEnd type="stealth" w="med" len="med"/>
-          </a:ln>
-        </p:spPr>
-      </p:cxnSp>
-      <p:cxnSp>
-        <p:nvCxnSpPr>
-          <p:cNvPr id="76" name="Google Shape;76;p13"/>
-          <p:cNvCxnSpPr>
-            <a:stCxn id="67" idx="2"/>
-            <a:endCxn id="74" idx="0"/>
-          </p:cNvCxnSpPr>
-          <p:nvPr/>
-        </p:nvCxnSpPr>
-        <p:spPr>
-          <a:xfrm rot="5400000">
-            <a:off x="2189900" y="9316795"/>
-            <a:ext cx="625875" cy="12700"/>
-          </a:xfrm>
-          <a:prstGeom prst="bentConnector3">
-            <a:avLst>
-              <a:gd name="adj1" fmla="val 50000"/>
-            </a:avLst>
           </a:prstGeom>
           <a:noFill/>
           <a:ln w="9525" cap="flat" cmpd="sng">
@@ -6804,8 +6773,8 @@
         </p:nvSpPr>
         <p:spPr>
           <a:xfrm>
-            <a:off x="1007988" y="9129590"/>
-            <a:ext cx="1501200" cy="528000"/>
+            <a:off x="1044317" y="6654104"/>
+            <a:ext cx="1476829" cy="528000"/>
           </a:xfrm>
           <a:prstGeom prst="rect">
             <a:avLst/>
@@ -6862,7 +6831,7 @@
         </p:nvSpPr>
         <p:spPr>
           <a:xfrm>
-            <a:off x="2484817" y="4443612"/>
+            <a:off x="2519541" y="2186548"/>
             <a:ext cx="1366200" cy="688800"/>
           </a:xfrm>
           <a:prstGeom prst="rect">
@@ -6904,6 +6873,42 @@
           </a:p>
         </p:txBody>
       </p:sp>
+      <p:cxnSp>
+        <p:nvCxnSpPr>
+          <p:cNvPr id="86" name="Straight Arrow Connector 85"/>
+          <p:cNvCxnSpPr>
+            <a:stCxn id="67" idx="2"/>
+            <a:endCxn id="74" idx="0"/>
+          </p:cNvCxnSpPr>
+          <p:nvPr/>
+        </p:nvCxnSpPr>
+        <p:spPr>
+          <a:xfrm>
+            <a:off x="2537561" y="6456487"/>
+            <a:ext cx="0" cy="725617"/>
+          </a:xfrm>
+          <a:prstGeom prst="straightConnector1">
+            <a:avLst/>
+          </a:prstGeom>
+          <a:ln>
+            <a:tailEnd type="triangle"/>
+          </a:ln>
+        </p:spPr>
+        <p:style>
+          <a:lnRef idx="1">
+            <a:schemeClr val="accent1"/>
+          </a:lnRef>
+          <a:fillRef idx="0">
+            <a:schemeClr val="accent1"/>
+          </a:fillRef>
+          <a:effectRef idx="0">
+            <a:schemeClr val="accent1"/>
+          </a:effectRef>
+          <a:fontRef idx="minor">
+            <a:schemeClr val="tx1"/>
+          </a:fontRef>
+        </p:style>
+      </p:cxnSp>
     </p:spTree>
   </p:cSld>
   <p:clrMapOvr>
